--- a/JWT.pptx
+++ b/JWT.pptx
@@ -15637,7 +15637,7 @@
           </a:ln>
           <a:extLst>
             <a:ext uri="{C572A759-6A51-4108-AA02-DFA0A04FC94B}">
-              <ma14:wrappingTextBoxFlag xmlns="" xmlns:m="http://schemas.openxmlformats.org/officeDocument/2006/math" xmlns:a14="http://schemas.microsoft.com/office/drawing/2010/main" xmlns:ma14="http://schemas.microsoft.com/office/mac/drawingml/2011/main" val="1"/>
+              <ma14:wrappingTextBoxFlag xmlns:ma14="http://schemas.microsoft.com/office/mac/drawingml/2011/main" xmlns:a14="http://schemas.microsoft.com/office/drawing/2010/main" xmlns:m="http://schemas.openxmlformats.org/officeDocument/2006/math" xmlns="" val="1"/>
             </a:ext>
           </a:extLst>
         </p:spPr>
@@ -16392,7 +16392,7 @@
           </a:ln>
           <a:extLst>
             <a:ext uri="{C572A759-6A51-4108-AA02-DFA0A04FC94B}">
-              <ma14:wrappingTextBoxFlag xmlns="" xmlns:m="http://schemas.openxmlformats.org/officeDocument/2006/math" xmlns:a14="http://schemas.microsoft.com/office/drawing/2010/main" xmlns:ma14="http://schemas.microsoft.com/office/mac/drawingml/2011/main" val="1"/>
+              <ma14:wrappingTextBoxFlag xmlns:ma14="http://schemas.microsoft.com/office/mac/drawingml/2011/main" xmlns:a14="http://schemas.microsoft.com/office/drawing/2010/main" xmlns:m="http://schemas.openxmlformats.org/officeDocument/2006/math" xmlns="" val="1"/>
             </a:ext>
           </a:extLst>
         </p:spPr>
@@ -18022,7 +18022,7 @@
           </a:ln>
           <a:extLst>
             <a:ext uri="{C572A759-6A51-4108-AA02-DFA0A04FC94B}">
-              <ma14:wrappingTextBoxFlag xmlns="" xmlns:m="http://schemas.openxmlformats.org/officeDocument/2006/math" xmlns:a14="http://schemas.microsoft.com/office/drawing/2010/main" xmlns:ma14="http://schemas.microsoft.com/office/mac/drawingml/2011/main" val="1"/>
+              <ma14:wrappingTextBoxFlag xmlns:ma14="http://schemas.microsoft.com/office/mac/drawingml/2011/main" xmlns:a14="http://schemas.microsoft.com/office/drawing/2010/main" xmlns:m="http://schemas.openxmlformats.org/officeDocument/2006/math" xmlns="" val="1"/>
             </a:ext>
           </a:extLst>
         </p:spPr>
@@ -18065,7 +18065,7 @@
           </a:ln>
           <a:extLst>
             <a:ext uri="{C572A759-6A51-4108-AA02-DFA0A04FC94B}">
-              <ma14:wrappingTextBoxFlag xmlns="" xmlns:m="http://schemas.openxmlformats.org/officeDocument/2006/math" xmlns:a14="http://schemas.microsoft.com/office/drawing/2010/main" xmlns:ma14="http://schemas.microsoft.com/office/mac/drawingml/2011/main" val="1"/>
+              <ma14:wrappingTextBoxFlag xmlns:ma14="http://schemas.microsoft.com/office/mac/drawingml/2011/main" xmlns:a14="http://schemas.microsoft.com/office/drawing/2010/main" xmlns:m="http://schemas.openxmlformats.org/officeDocument/2006/math" xmlns="" val="1"/>
             </a:ext>
           </a:extLst>
         </p:spPr>
@@ -20802,33 +20802,6 @@
           </a:p>
         </p:txBody>
       </p:sp>
-      <p:pic>
-        <p:nvPicPr>
-          <p:cNvPr id="202" name="image.png" descr="image.png"/>
-          <p:cNvPicPr>
-            <a:picLocks noGrp="1" noChangeAspect="1"/>
-          </p:cNvPicPr>
-          <p:nvPr>
-            <p:ph type="pic" idx="22"/>
-          </p:nvPr>
-        </p:nvPicPr>
-        <p:blipFill>
-          <a:blip r:embed="rId2"/>
-          <a:srcRect l="36" r="36"/>
-          <a:stretch>
-            <a:fillRect/>
-          </a:stretch>
-        </p:blipFill>
-        <p:spPr>
-          <a:xfrm>
-            <a:off x="12192000" y="1395537"/>
-            <a:ext cx="10916874" cy="10924827"/>
-          </a:xfrm>
-          <a:prstGeom prst="rect">
-            <a:avLst/>
-          </a:prstGeom>
-        </p:spPr>
-      </p:pic>
       <p:sp>
         <p:nvSpPr>
           <p:cNvPr id="203" name="Slide Title"/>
@@ -20852,12 +20825,30 @@
               <a:defRPr/>
             </a:pPr>
             <a:r>
-              <a:rPr lang="en-US" dirty="0"/>
-              <a:t>install</a:t>
+              <a:rPr lang="en-US"/>
+              <a:t>Install</a:t>
             </a:r>
             <a:endParaRPr dirty="0"/>
           </a:p>
         </p:txBody>
+      </p:sp>
+      <p:sp>
+        <p:nvSpPr>
+          <p:cNvPr id="3" name="عنصر نائب للصورة 2">
+            <a:extLst>
+              <a:ext uri="{FF2B5EF4-FFF2-40B4-BE49-F238E27FC236}">
+                <a16:creationId xmlns:a16="http://schemas.microsoft.com/office/drawing/2014/main" id="{C3D90371-C0DB-4A66-B9BC-E6EAD43F4696}"/>
+              </a:ext>
+            </a:extLst>
+          </p:cNvPr>
+          <p:cNvSpPr>
+            <a:spLocks noGrp="1"/>
+          </p:cNvSpPr>
+          <p:nvPr>
+            <p:ph type="pic" sz="half" idx="22"/>
+          </p:nvPr>
+        </p:nvSpPr>
+        <p:spPr/>
       </p:sp>
     </p:spTree>
     <p:extLst>

--- a/JWT.pptx
+++ b/JWT.pptx
@@ -15637,7 +15637,7 @@
           </a:ln>
           <a:extLst>
             <a:ext uri="{C572A759-6A51-4108-AA02-DFA0A04FC94B}">
-              <ma14:wrappingTextBoxFlag xmlns:ma14="http://schemas.microsoft.com/office/mac/drawingml/2011/main" xmlns:a14="http://schemas.microsoft.com/office/drawing/2010/main" xmlns:m="http://schemas.openxmlformats.org/officeDocument/2006/math" xmlns="" val="1"/>
+              <ma14:wrappingTextBoxFlag xmlns="" xmlns:m="http://schemas.openxmlformats.org/officeDocument/2006/math" xmlns:a14="http://schemas.microsoft.com/office/drawing/2010/main" xmlns:ma14="http://schemas.microsoft.com/office/mac/drawingml/2011/main" val="1"/>
             </a:ext>
           </a:extLst>
         </p:spPr>
@@ -16392,7 +16392,7 @@
           </a:ln>
           <a:extLst>
             <a:ext uri="{C572A759-6A51-4108-AA02-DFA0A04FC94B}">
-              <ma14:wrappingTextBoxFlag xmlns:ma14="http://schemas.microsoft.com/office/mac/drawingml/2011/main" xmlns:a14="http://schemas.microsoft.com/office/drawing/2010/main" xmlns:m="http://schemas.openxmlformats.org/officeDocument/2006/math" xmlns="" val="1"/>
+              <ma14:wrappingTextBoxFlag xmlns="" xmlns:m="http://schemas.openxmlformats.org/officeDocument/2006/math" xmlns:a14="http://schemas.microsoft.com/office/drawing/2010/main" xmlns:ma14="http://schemas.microsoft.com/office/mac/drawingml/2011/main" val="1"/>
             </a:ext>
           </a:extLst>
         </p:spPr>
@@ -18022,7 +18022,7 @@
           </a:ln>
           <a:extLst>
             <a:ext uri="{C572A759-6A51-4108-AA02-DFA0A04FC94B}">
-              <ma14:wrappingTextBoxFlag xmlns:ma14="http://schemas.microsoft.com/office/mac/drawingml/2011/main" xmlns:a14="http://schemas.microsoft.com/office/drawing/2010/main" xmlns:m="http://schemas.openxmlformats.org/officeDocument/2006/math" xmlns="" val="1"/>
+              <ma14:wrappingTextBoxFlag xmlns="" xmlns:m="http://schemas.openxmlformats.org/officeDocument/2006/math" xmlns:a14="http://schemas.microsoft.com/office/drawing/2010/main" xmlns:ma14="http://schemas.microsoft.com/office/mac/drawingml/2011/main" val="1"/>
             </a:ext>
           </a:extLst>
         </p:spPr>
@@ -18065,7 +18065,7 @@
           </a:ln>
           <a:extLst>
             <a:ext uri="{C572A759-6A51-4108-AA02-DFA0A04FC94B}">
-              <ma14:wrappingTextBoxFlag xmlns:ma14="http://schemas.microsoft.com/office/mac/drawingml/2011/main" xmlns:a14="http://schemas.microsoft.com/office/drawing/2010/main" xmlns:m="http://schemas.openxmlformats.org/officeDocument/2006/math" xmlns="" val="1"/>
+              <ma14:wrappingTextBoxFlag xmlns="" xmlns:m="http://schemas.openxmlformats.org/officeDocument/2006/math" xmlns:a14="http://schemas.microsoft.com/office/drawing/2010/main" xmlns:ma14="http://schemas.microsoft.com/office/mac/drawingml/2011/main" val="1"/>
             </a:ext>
           </a:extLst>
         </p:spPr>
@@ -19360,6 +19360,10 @@
           </p:nvPr>
         </p:nvSpPr>
         <p:spPr>
+          <a:xfrm>
+            <a:off x="1780557" y="3163652"/>
+            <a:ext cx="21407760" cy="8205375"/>
+          </a:xfrm>
           <a:prstGeom prst="rect">
             <a:avLst/>
           </a:prstGeom>
@@ -19388,30 +19392,37 @@
             <a:pPr algn="l" rtl="0"/>
             <a:r>
               <a:rPr lang="en-US" dirty="0"/>
-              <a:t>What are Json? </a:t>
-            </a:r>
-            <a:r>
-              <a:rPr lang="en-US"/>
-              <a:t>: </a:t>
-            </a:r>
-            <a:r>
-              <a:rPr lang="en-US">
-                <a:hlinkClick r:id="rId3"/>
-              </a:rPr>
-              <a:t>https</a:t>
+              <a:t>What are Json? : </a:t>
             </a:r>
             <a:r>
               <a:rPr lang="en-US" dirty="0">
                 <a:hlinkClick r:id="rId3"/>
               </a:rPr>
-              <a:t>://www.freecodecamp.org/news/</a:t>
-            </a:r>
-            <a:r>
-              <a:rPr lang="en-US">
-                <a:hlinkClick r:id="rId3"/>
-              </a:rPr>
-              <a:t>what-are-json-web-tokens-jwt-auth-tutorial/</a:t>
-            </a:r>
+              <a:t>https://www.freecodecamp.org/news/what-are-json-web-tokens-jwt-auth-tutorial/</a:t>
+            </a:r>
+            <a:endParaRPr lang="ar-SA" dirty="0"/>
+          </a:p>
+          <a:p>
+            <a:pPr algn="l" rtl="0"/>
+            <a:r>
+              <a:rPr lang="en-US" dirty="0"/>
+              <a:t>The net ninja: </a:t>
+            </a:r>
+            <a:r>
+              <a:rPr lang="en-US" b="0" i="0" u="none" strike="noStrike" dirty="0">
+                <a:effectLst/>
+                <a:latin typeface="Slack-Lato"/>
+                <a:hlinkClick r:id="rId4"/>
+              </a:rPr>
+              <a:t>https://www.youtube.com/watch?v=SnoAwLP1a-0&amp;list=PL4cUxeGkcC9iqqESP8335DA5cRFp8loyp</a:t>
+            </a:r>
+            <a:endParaRPr lang="en-US" b="0" i="0" u="none" strike="noStrike" dirty="0">
+              <a:effectLst/>
+              <a:latin typeface="Slack-Lato"/>
+            </a:endParaRPr>
+          </a:p>
+          <a:p>
+            <a:pPr algn="l" rtl="0"/>
             <a:endParaRPr lang="en-US" dirty="0"/>
           </a:p>
         </p:txBody>
@@ -19587,7 +19598,7 @@
           <p:nvPr/>
         </p:nvPicPr>
         <p:blipFill>
-          <a:blip r:embed="rId4"/>
+          <a:blip r:embed="rId5"/>
           <a:stretch>
             <a:fillRect/>
           </a:stretch>
@@ -19614,7 +19625,7 @@
           <p:nvPr/>
         </p:nvPicPr>
         <p:blipFill>
-          <a:blip r:embed="rId5"/>
+          <a:blip r:embed="rId6"/>
           <a:stretch>
             <a:fillRect/>
           </a:stretch>
@@ -19641,7 +19652,7 @@
           <p:nvPr/>
         </p:nvPicPr>
         <p:blipFill>
-          <a:blip r:embed="rId6"/>
+          <a:blip r:embed="rId7"/>
           <a:stretch>
             <a:fillRect/>
           </a:stretch>
